--- a/Designing-a-Narrowband-Filter-Using-Multirate-Technique_assignment.pptx
+++ b/Designing-a-Narrowband-Filter-Using-Multirate-Technique_assignment.pptx
@@ -386,7 +386,7 @@
           <a:p>
             <a:fld id="{BA189A58-8B06-4F23-89C8-E98EE28B79DA}" type="datetimeFigureOut">
               <a:rPr lang="en-US" smtClean="0"/>
-              <a:t>5/27/2015</a:t>
+              <a:t>6/6/2015</a:t>
             </a:fld>
             <a:endParaRPr lang="en-US"/>
           </a:p>
@@ -594,7 +594,7 @@
           <a:p>
             <a:fld id="{BA189A58-8B06-4F23-89C8-E98EE28B79DA}" type="datetimeFigureOut">
               <a:rPr lang="en-US" smtClean="0"/>
-              <a:t>5/27/2015</a:t>
+              <a:t>6/6/2015</a:t>
             </a:fld>
             <a:endParaRPr lang="en-US"/>
           </a:p>
@@ -850,7 +850,7 @@
           <a:p>
             <a:fld id="{BA189A58-8B06-4F23-89C8-E98EE28B79DA}" type="datetimeFigureOut">
               <a:rPr lang="en-US" smtClean="0"/>
-              <a:t>5/27/2015</a:t>
+              <a:t>6/6/2015</a:t>
             </a:fld>
             <a:endParaRPr lang="en-US"/>
           </a:p>
@@ -1020,7 +1020,7 @@
           <a:p>
             <a:fld id="{BA189A58-8B06-4F23-89C8-E98EE28B79DA}" type="datetimeFigureOut">
               <a:rPr lang="en-US" smtClean="0"/>
-              <a:t>5/27/2015</a:t>
+              <a:t>6/6/2015</a:t>
             </a:fld>
             <a:endParaRPr lang="en-US"/>
           </a:p>
@@ -1363,7 +1363,7 @@
           <a:p>
             <a:fld id="{BA189A58-8B06-4F23-89C8-E98EE28B79DA}" type="datetimeFigureOut">
               <a:rPr lang="en-US" smtClean="0"/>
-              <a:t>5/27/2015</a:t>
+              <a:t>6/6/2015</a:t>
             </a:fld>
             <a:endParaRPr lang="en-US"/>
           </a:p>
@@ -1638,7 +1638,7 @@
           <a:p>
             <a:fld id="{BA189A58-8B06-4F23-89C8-E98EE28B79DA}" type="datetimeFigureOut">
               <a:rPr lang="en-US" smtClean="0"/>
-              <a:t>5/27/2015</a:t>
+              <a:t>6/6/2015</a:t>
             </a:fld>
             <a:endParaRPr lang="en-US"/>
           </a:p>
@@ -2017,7 +2017,7 @@
           <a:p>
             <a:fld id="{BA189A58-8B06-4F23-89C8-E98EE28B79DA}" type="datetimeFigureOut">
               <a:rPr lang="en-US" smtClean="0"/>
-              <a:t>5/27/2015</a:t>
+              <a:t>6/6/2015</a:t>
             </a:fld>
             <a:endParaRPr lang="en-US"/>
           </a:p>
@@ -2135,7 +2135,7 @@
           <a:p>
             <a:fld id="{BA189A58-8B06-4F23-89C8-E98EE28B79DA}" type="datetimeFigureOut">
               <a:rPr lang="en-US" smtClean="0"/>
-              <a:t>5/27/2015</a:t>
+              <a:t>6/6/2015</a:t>
             </a:fld>
             <a:endParaRPr lang="en-US"/>
           </a:p>
@@ -2306,7 +2306,7 @@
           <a:p>
             <a:fld id="{BA189A58-8B06-4F23-89C8-E98EE28B79DA}" type="datetimeFigureOut">
               <a:rPr lang="en-US" smtClean="0"/>
-              <a:t>5/27/2015</a:t>
+              <a:t>6/6/2015</a:t>
             </a:fld>
             <a:endParaRPr lang="en-US"/>
           </a:p>
@@ -2660,7 +2660,7 @@
           <a:p>
             <a:fld id="{BA189A58-8B06-4F23-89C8-E98EE28B79DA}" type="datetimeFigureOut">
               <a:rPr lang="en-US" smtClean="0"/>
-              <a:t>5/27/2015</a:t>
+              <a:t>6/6/2015</a:t>
             </a:fld>
             <a:endParaRPr lang="en-US"/>
           </a:p>
@@ -3042,7 +3042,7 @@
           <a:p>
             <a:fld id="{BA189A58-8B06-4F23-89C8-E98EE28B79DA}" type="datetimeFigureOut">
               <a:rPr lang="en-US" smtClean="0"/>
-              <a:t>5/27/2015</a:t>
+              <a:t>6/6/2015</a:t>
             </a:fld>
             <a:endParaRPr lang="en-US"/>
           </a:p>
@@ -3329,7 +3329,7 @@
           <a:p>
             <a:fld id="{BA189A58-8B06-4F23-89C8-E98EE28B79DA}" type="datetimeFigureOut">
               <a:rPr lang="en-US" smtClean="0"/>
-              <a:t>5/27/2015</a:t>
+              <a:t>6/6/2015</a:t>
             </a:fld>
             <a:endParaRPr lang="en-US"/>
           </a:p>
@@ -5845,8 +5845,8 @@
           </a:p>
         </p:txBody>
       </p:sp>
-      <mc:AlternateContent xmlns:mc="http://schemas.openxmlformats.org/markup-compatibility/2006" xmlns:a14="http://schemas.microsoft.com/office/drawing/2010/main">
-        <mc:Choice Requires="a14">
+      <mc:AlternateContent xmlns:mc="http://schemas.openxmlformats.org/markup-compatibility/2006">
+        <mc:Choice xmlns:a14="http://schemas.microsoft.com/office/drawing/2010/main" Requires="a14">
           <p:sp>
             <p:nvSpPr>
               <p:cNvPr id="3" name="Content Placeholder 2"/>
@@ -6062,12 +6062,6 @@
                                 </m:r>
                               </m:sub>
                             </m:sSub>
-                            <m:r>
-                              <a:rPr lang="en-US" sz="1600" b="0" i="1" smtClean="0">
-                                <a:latin typeface="Cambria Math" panose="02040503050406030204" pitchFamily="18" charset="0"/>
-                              </a:rPr>
-                              <m:t>+</m:t>
-                            </m:r>
                             <m:sSub>
                               <m:sSubPr>
                                 <m:ctrlPr>
@@ -6289,7 +6283,7 @@
             </p:txBody>
           </p:sp>
         </mc:Choice>
-        <mc:Fallback xmlns="">
+        <mc:Fallback>
           <p:sp>
             <p:nvSpPr>
               <p:cNvPr id="3" name="Content Placeholder 2"/>
@@ -10649,8 +10643,8 @@
           </a:p>
         </p:txBody>
       </p:sp>
-      <mc:AlternateContent xmlns:mc="http://schemas.openxmlformats.org/markup-compatibility/2006" xmlns:a14="http://schemas.microsoft.com/office/drawing/2010/main">
-        <mc:Choice Requires="a14">
+      <mc:AlternateContent xmlns:mc="http://schemas.openxmlformats.org/markup-compatibility/2006">
+        <mc:Choice xmlns:a14="http://schemas.microsoft.com/office/drawing/2010/main" Requires="a14">
           <p:sp>
             <p:nvSpPr>
               <p:cNvPr id="3" name="Content Placeholder 2"/>
@@ -10889,93 +10883,142 @@
                       </a:rPr>
                       <m:t>=</m:t>
                     </m:r>
-                    <m:f>
-                      <m:fPr>
+                    <m:nary>
+                      <m:naryPr>
+                        <m:chr m:val="∑"/>
                         <m:ctrlPr>
                           <a:rPr lang="en-US" b="0" i="1" smtClean="0">
                             <a:latin typeface="Cambria Math" panose="02040503050406030204" pitchFamily="18" charset="0"/>
                           </a:rPr>
                         </m:ctrlPr>
-                      </m:fPr>
-                      <m:num>
+                      </m:naryPr>
+                      <m:sub>
+                        <m:r>
+                          <m:rPr>
+                            <m:brk m:alnAt="23"/>
+                          </m:rPr>
+                          <a:rPr lang="en-US" b="0" i="1" smtClean="0">
+                            <a:latin typeface="Cambria Math" panose="02040503050406030204" pitchFamily="18" charset="0"/>
+                          </a:rPr>
+                          <m:t>𝑘</m:t>
+                        </m:r>
                         <m:r>
                           <a:rPr lang="en-US" b="0" i="1" smtClean="0">
                             <a:latin typeface="Cambria Math" panose="02040503050406030204" pitchFamily="18" charset="0"/>
                           </a:rPr>
-                          <m:t>1</m:t>
+                          <m:t>=0</m:t>
                         </m:r>
-                      </m:num>
-                      <m:den>
+                      </m:sub>
+                      <m:sup>
                         <m:r>
                           <a:rPr lang="en-US" b="0" i="1" smtClean="0">
                             <a:latin typeface="Cambria Math" panose="02040503050406030204" pitchFamily="18" charset="0"/>
                           </a:rPr>
                           <m:t>𝑀</m:t>
                         </m:r>
-                      </m:den>
-                    </m:f>
-                    <m:sSup>
-                      <m:sSupPr>
-                        <m:ctrlPr>
-                          <a:rPr lang="en-US" b="0" i="1" smtClean="0">
-                            <a:latin typeface="Cambria Math" panose="02040503050406030204" pitchFamily="18" charset="0"/>
-                          </a:rPr>
-                        </m:ctrlPr>
-                      </m:sSupPr>
-                      <m:e>
                         <m:r>
                           <a:rPr lang="en-US" b="0" i="1" smtClean="0">
                             <a:latin typeface="Cambria Math" panose="02040503050406030204" pitchFamily="18" charset="0"/>
                           </a:rPr>
-                          <m:t>𝑒</m:t>
+                          <m:t>−1</m:t>
                         </m:r>
-                      </m:e>
-                      <m:sup>
-                        <m:r>
-                          <a:rPr lang="en-US" b="0" i="1" smtClean="0">
-                            <a:latin typeface="Cambria Math" panose="02040503050406030204" pitchFamily="18" charset="0"/>
-                          </a:rPr>
-                          <m:t>𝑗</m:t>
-                        </m:r>
+                      </m:sup>
+                      <m:e>
                         <m:f>
                           <m:fPr>
                             <m:ctrlPr>
-                              <a:rPr lang="en-US" b="0" i="1" smtClean="0">
+                              <a:rPr lang="en-US" i="1">
                                 <a:latin typeface="Cambria Math" panose="02040503050406030204" pitchFamily="18" charset="0"/>
                               </a:rPr>
                             </m:ctrlPr>
                           </m:fPr>
                           <m:num>
                             <m:r>
-                              <a:rPr lang="en-US" b="0" i="1" smtClean="0">
+                              <a:rPr lang="en-US" i="1">
                                 <a:latin typeface="Cambria Math" panose="02040503050406030204" pitchFamily="18" charset="0"/>
                               </a:rPr>
-                              <m:t>2</m:t>
-                            </m:r>
-                            <m:r>
-                              <a:rPr lang="en-US" b="0" i="1" smtClean="0">
-                                <a:latin typeface="Cambria Math" panose="02040503050406030204" pitchFamily="18" charset="0"/>
-                              </a:rPr>
-                              <m:t>𝜋</m:t>
-                            </m:r>
-                            <m:r>
-                              <a:rPr lang="en-US" b="0" i="1" smtClean="0">
-                                <a:latin typeface="Cambria Math" panose="02040503050406030204" pitchFamily="18" charset="0"/>
-                              </a:rPr>
-                              <m:t>𝑟</m:t>
+                              <m:t>1</m:t>
                             </m:r>
                           </m:num>
                           <m:den>
                             <m:r>
-                              <a:rPr lang="en-US" b="0" i="1" smtClean="0">
+                              <a:rPr lang="en-US" i="1">
                                 <a:latin typeface="Cambria Math" panose="02040503050406030204" pitchFamily="18" charset="0"/>
                               </a:rPr>
                               <m:t>𝑀</m:t>
                             </m:r>
                           </m:den>
                         </m:f>
-                      </m:sup>
-                    </m:sSup>
+                        <m:sSup>
+                          <m:sSupPr>
+                            <m:ctrlPr>
+                              <a:rPr lang="en-US" i="1">
+                                <a:latin typeface="Cambria Math" panose="02040503050406030204" pitchFamily="18" charset="0"/>
+                              </a:rPr>
+                            </m:ctrlPr>
+                          </m:sSupPr>
+                          <m:e>
+                            <m:r>
+                              <a:rPr lang="en-US" i="1">
+                                <a:latin typeface="Cambria Math" panose="02040503050406030204" pitchFamily="18" charset="0"/>
+                              </a:rPr>
+                              <m:t>𝑒</m:t>
+                            </m:r>
+                          </m:e>
+                          <m:sup>
+                            <m:r>
+                              <a:rPr lang="en-US" i="1">
+                                <a:latin typeface="Cambria Math" panose="02040503050406030204" pitchFamily="18" charset="0"/>
+                              </a:rPr>
+                              <m:t>𝑗</m:t>
+                            </m:r>
+                            <m:f>
+                              <m:fPr>
+                                <m:ctrlPr>
+                                  <a:rPr lang="en-US" i="1">
+                                    <a:latin typeface="Cambria Math" panose="02040503050406030204" pitchFamily="18" charset="0"/>
+                                  </a:rPr>
+                                </m:ctrlPr>
+                              </m:fPr>
+                              <m:num>
+                                <m:r>
+                                  <a:rPr lang="en-US" i="1">
+                                    <a:latin typeface="Cambria Math" panose="02040503050406030204" pitchFamily="18" charset="0"/>
+                                  </a:rPr>
+                                  <m:t>2</m:t>
+                                </m:r>
+                                <m:r>
+                                  <a:rPr lang="en-US" i="1">
+                                    <a:latin typeface="Cambria Math" panose="02040503050406030204" pitchFamily="18" charset="0"/>
+                                  </a:rPr>
+                                  <m:t>𝜋</m:t>
+                                </m:r>
+                                <m:r>
+                                  <a:rPr lang="en-US" b="0" i="1" smtClean="0">
+                                    <a:latin typeface="Cambria Math" panose="02040503050406030204" pitchFamily="18" charset="0"/>
+                                  </a:rPr>
+                                  <m:t>𝑘</m:t>
+                                </m:r>
+                                <m:r>
+                                  <a:rPr lang="en-US" i="1">
+                                    <a:latin typeface="Cambria Math" panose="02040503050406030204" pitchFamily="18" charset="0"/>
+                                  </a:rPr>
+                                  <m:t>𝑟</m:t>
+                                </m:r>
+                              </m:num>
+                              <m:den>
+                                <m:r>
+                                  <a:rPr lang="en-US" i="1">
+                                    <a:latin typeface="Cambria Math" panose="02040503050406030204" pitchFamily="18" charset="0"/>
+                                  </a:rPr>
+                                  <m:t>𝑀</m:t>
+                                </m:r>
+                              </m:den>
+                            </m:f>
+                          </m:sup>
+                        </m:sSup>
+                      </m:e>
+                    </m:nary>
                   </m:oMath>
                 </a14:m>
                 <a:endParaRPr lang="en-US" b="0" dirty="0" smtClean="0"/>
@@ -10990,7 +11033,7 @@
             </p:txBody>
           </p:sp>
         </mc:Choice>
-        <mc:Fallback xmlns="">
+        <mc:Fallback>
           <p:sp>
             <p:nvSpPr>
               <p:cNvPr id="3" name="Content Placeholder 2"/>
@@ -13466,8 +13509,8 @@
           </a:fontRef>
         </p:style>
       </p:cxnSp>
-      <mc:AlternateContent xmlns:mc="http://schemas.openxmlformats.org/markup-compatibility/2006">
-        <mc:Choice xmlns:a14="http://schemas.microsoft.com/office/drawing/2010/main" Requires="a14">
+      <mc:AlternateContent xmlns:mc="http://schemas.openxmlformats.org/markup-compatibility/2006" xmlns:a14="http://schemas.microsoft.com/office/drawing/2010/main">
+        <mc:Choice Requires="a14">
           <p:sp>
             <p:nvSpPr>
               <p:cNvPr id="7" name="TextBox 6"/>
@@ -13529,7 +13572,7 @@
             </p:txBody>
           </p:sp>
         </mc:Choice>
-        <mc:Fallback>
+        <mc:Fallback xmlns="">
           <p:sp>
             <p:nvSpPr>
               <p:cNvPr id="7" name="TextBox 6"/>
@@ -13568,8 +13611,8 @@
           </p:sp>
         </mc:Fallback>
       </mc:AlternateContent>
-      <mc:AlternateContent xmlns:mc="http://schemas.openxmlformats.org/markup-compatibility/2006">
-        <mc:Choice xmlns:a14="http://schemas.microsoft.com/office/drawing/2010/main" Requires="a14">
+      <mc:AlternateContent xmlns:mc="http://schemas.openxmlformats.org/markup-compatibility/2006" xmlns:a14="http://schemas.microsoft.com/office/drawing/2010/main">
+        <mc:Choice Requires="a14">
           <p:sp>
             <p:nvSpPr>
               <p:cNvPr id="8" name="TextBox 7"/>
@@ -13634,7 +13677,7 @@
             </p:txBody>
           </p:sp>
         </mc:Choice>
-        <mc:Fallback>
+        <mc:Fallback xmlns="">
           <p:sp>
             <p:nvSpPr>
               <p:cNvPr id="8" name="TextBox 7"/>

--- a/Designing-a-Narrowband-Filter-Using-Multirate-Technique_assignment.pptx
+++ b/Designing-a-Narrowband-Filter-Using-Multirate-Technique_assignment.pptx
@@ -12957,12 +12957,16 @@
               <a:t>Dr. </a:t>
             </a:r>
             <a:r>
-              <a:rPr lang="en-US" dirty="0" err="1" smtClean="0"/>
-              <a:t>Kamrul</a:t>
+              <a:rPr lang="en-US" smtClean="0"/>
+              <a:t>Md. Kamrul</a:t>
             </a:r>
             <a:r>
               <a:rPr lang="en-US" dirty="0" smtClean="0"/>
-              <a:t> Hasan </a:t>
+              <a:t> </a:t>
+            </a:r>
+            <a:r>
+              <a:rPr lang="en-US" dirty="0" smtClean="0"/>
+              <a:t>Hasan </a:t>
             </a:r>
           </a:p>
           <a:p>

--- a/Designing-a-Narrowband-Filter-Using-Multirate-Technique_assignment.pptx
+++ b/Designing-a-Narrowband-Filter-Using-Multirate-Technique_assignment.pptx
@@ -12957,8 +12957,12 @@
               <a:t>Dr. </a:t>
             </a:r>
             <a:r>
-              <a:rPr lang="en-US" smtClean="0"/>
-              <a:t>Md. Kamrul</a:t>
+              <a:rPr lang="en-US" dirty="0" smtClean="0"/>
+              <a:t>Md. </a:t>
+            </a:r>
+            <a:r>
+              <a:rPr lang="en-US" dirty="0" err="1" smtClean="0"/>
+              <a:t>Kamrul</a:t>
             </a:r>
             <a:r>
               <a:rPr lang="en-US" dirty="0" smtClean="0"/>

--- a/Designing-a-Narrowband-Filter-Using-Multirate-Technique_assignment.pptx
+++ b/Designing-a-Narrowband-Filter-Using-Multirate-Technique_assignment.pptx
@@ -386,7 +386,7 @@
           <a:p>
             <a:fld id="{BA189A58-8B06-4F23-89C8-E98EE28B79DA}" type="datetimeFigureOut">
               <a:rPr lang="en-US" smtClean="0"/>
-              <a:t>6/6/2015</a:t>
+              <a:t>8/25/2015</a:t>
             </a:fld>
             <a:endParaRPr lang="en-US"/>
           </a:p>
@@ -594,7 +594,7 @@
           <a:p>
             <a:fld id="{BA189A58-8B06-4F23-89C8-E98EE28B79DA}" type="datetimeFigureOut">
               <a:rPr lang="en-US" smtClean="0"/>
-              <a:t>6/6/2015</a:t>
+              <a:t>8/25/2015</a:t>
             </a:fld>
             <a:endParaRPr lang="en-US"/>
           </a:p>
@@ -850,7 +850,7 @@
           <a:p>
             <a:fld id="{BA189A58-8B06-4F23-89C8-E98EE28B79DA}" type="datetimeFigureOut">
               <a:rPr lang="en-US" smtClean="0"/>
-              <a:t>6/6/2015</a:t>
+              <a:t>8/25/2015</a:t>
             </a:fld>
             <a:endParaRPr lang="en-US"/>
           </a:p>
@@ -1020,7 +1020,7 @@
           <a:p>
             <a:fld id="{BA189A58-8B06-4F23-89C8-E98EE28B79DA}" type="datetimeFigureOut">
               <a:rPr lang="en-US" smtClean="0"/>
-              <a:t>6/6/2015</a:t>
+              <a:t>8/25/2015</a:t>
             </a:fld>
             <a:endParaRPr lang="en-US"/>
           </a:p>
@@ -1363,7 +1363,7 @@
           <a:p>
             <a:fld id="{BA189A58-8B06-4F23-89C8-E98EE28B79DA}" type="datetimeFigureOut">
               <a:rPr lang="en-US" smtClean="0"/>
-              <a:t>6/6/2015</a:t>
+              <a:t>8/25/2015</a:t>
             </a:fld>
             <a:endParaRPr lang="en-US"/>
           </a:p>
@@ -1638,7 +1638,7 @@
           <a:p>
             <a:fld id="{BA189A58-8B06-4F23-89C8-E98EE28B79DA}" type="datetimeFigureOut">
               <a:rPr lang="en-US" smtClean="0"/>
-              <a:t>6/6/2015</a:t>
+              <a:t>8/25/2015</a:t>
             </a:fld>
             <a:endParaRPr lang="en-US"/>
           </a:p>
@@ -2017,7 +2017,7 @@
           <a:p>
             <a:fld id="{BA189A58-8B06-4F23-89C8-E98EE28B79DA}" type="datetimeFigureOut">
               <a:rPr lang="en-US" smtClean="0"/>
-              <a:t>6/6/2015</a:t>
+              <a:t>8/25/2015</a:t>
             </a:fld>
             <a:endParaRPr lang="en-US"/>
           </a:p>
@@ -2135,7 +2135,7 @@
           <a:p>
             <a:fld id="{BA189A58-8B06-4F23-89C8-E98EE28B79DA}" type="datetimeFigureOut">
               <a:rPr lang="en-US" smtClean="0"/>
-              <a:t>6/6/2015</a:t>
+              <a:t>8/25/2015</a:t>
             </a:fld>
             <a:endParaRPr lang="en-US"/>
           </a:p>
@@ -2306,7 +2306,7 @@
           <a:p>
             <a:fld id="{BA189A58-8B06-4F23-89C8-E98EE28B79DA}" type="datetimeFigureOut">
               <a:rPr lang="en-US" smtClean="0"/>
-              <a:t>6/6/2015</a:t>
+              <a:t>8/25/2015</a:t>
             </a:fld>
             <a:endParaRPr lang="en-US"/>
           </a:p>
@@ -2660,7 +2660,7 @@
           <a:p>
             <a:fld id="{BA189A58-8B06-4F23-89C8-E98EE28B79DA}" type="datetimeFigureOut">
               <a:rPr lang="en-US" smtClean="0"/>
-              <a:t>6/6/2015</a:t>
+              <a:t>8/25/2015</a:t>
             </a:fld>
             <a:endParaRPr lang="en-US"/>
           </a:p>
@@ -3042,7 +3042,7 @@
           <a:p>
             <a:fld id="{BA189A58-8B06-4F23-89C8-E98EE28B79DA}" type="datetimeFigureOut">
               <a:rPr lang="en-US" smtClean="0"/>
-              <a:t>6/6/2015</a:t>
+              <a:t>8/25/2015</a:t>
             </a:fld>
             <a:endParaRPr lang="en-US"/>
           </a:p>
@@ -3329,7 +3329,7 @@
           <a:p>
             <a:fld id="{BA189A58-8B06-4F23-89C8-E98EE28B79DA}" type="datetimeFigureOut">
               <a:rPr lang="en-US" smtClean="0"/>
-              <a:t>6/6/2015</a:t>
+              <a:t>8/25/2015</a:t>
             </a:fld>
             <a:endParaRPr lang="en-US"/>
           </a:p>
@@ -5845,8 +5845,8 @@
           </a:p>
         </p:txBody>
       </p:sp>
-      <mc:AlternateContent xmlns:mc="http://schemas.openxmlformats.org/markup-compatibility/2006">
-        <mc:Choice xmlns:a14="http://schemas.microsoft.com/office/drawing/2010/main" Requires="a14">
+      <mc:AlternateContent xmlns:mc="http://schemas.openxmlformats.org/markup-compatibility/2006" xmlns:a14="http://schemas.microsoft.com/office/drawing/2010/main">
+        <mc:Choice Requires="a14">
           <p:sp>
             <p:nvSpPr>
               <p:cNvPr id="3" name="Content Placeholder 2"/>
@@ -6283,7 +6283,7 @@
             </p:txBody>
           </p:sp>
         </mc:Choice>
-        <mc:Fallback>
+        <mc:Fallback xmlns="">
           <p:sp>
             <p:nvSpPr>
               <p:cNvPr id="3" name="Content Placeholder 2"/>
@@ -10883,47 +10883,54 @@
                       </a:rPr>
                       <m:t>=</m:t>
                     </m:r>
-                    <m:nary>
-                      <m:naryPr>
-                        <m:chr m:val="∑"/>
+                    <m:f>
+                      <m:fPr>
                         <m:ctrlPr>
-                          <a:rPr lang="en-US" b="0" i="1" smtClean="0">
+                          <a:rPr lang="en-US" i="1">
                             <a:latin typeface="Cambria Math" panose="02040503050406030204" pitchFamily="18" charset="0"/>
                           </a:rPr>
                         </m:ctrlPr>
-                      </m:naryPr>
-                      <m:sub>
+                      </m:fPr>
+                      <m:num>
                         <m:r>
-                          <m:rPr>
-                            <m:brk m:alnAt="23"/>
-                          </m:rPr>
-                          <a:rPr lang="en-US" b="0" i="1" smtClean="0">
+                          <a:rPr lang="en-US" i="1">
                             <a:latin typeface="Cambria Math" panose="02040503050406030204" pitchFamily="18" charset="0"/>
                           </a:rPr>
-                          <m:t>𝑘</m:t>
+                          <m:t>1</m:t>
                         </m:r>
+                      </m:num>
+                      <m:den>
                         <m:r>
-                          <a:rPr lang="en-US" b="0" i="1" smtClean="0">
-                            <a:latin typeface="Cambria Math" panose="02040503050406030204" pitchFamily="18" charset="0"/>
-                          </a:rPr>
-                          <m:t>=0</m:t>
-                        </m:r>
-                      </m:sub>
-                      <m:sup>
-                        <m:r>
-                          <a:rPr lang="en-US" b="0" i="1" smtClean="0">
+                          <a:rPr lang="en-US" i="1">
                             <a:latin typeface="Cambria Math" panose="02040503050406030204" pitchFamily="18" charset="0"/>
                           </a:rPr>
                           <m:t>𝑀</m:t>
                         </m:r>
-                        <m:r>
-                          <a:rPr lang="en-US" b="0" i="1" smtClean="0">
+                      </m:den>
+                    </m:f>
+                    <m:sSup>
+                      <m:sSupPr>
+                        <m:ctrlPr>
+                          <a:rPr lang="en-US" i="1">
                             <a:latin typeface="Cambria Math" panose="02040503050406030204" pitchFamily="18" charset="0"/>
                           </a:rPr>
-                          <m:t>−1</m:t>
+                        </m:ctrlPr>
+                      </m:sSupPr>
+                      <m:e>
+                        <m:r>
+                          <a:rPr lang="en-US" i="1">
+                            <a:latin typeface="Cambria Math" panose="02040503050406030204" pitchFamily="18" charset="0"/>
+                          </a:rPr>
+                          <m:t>𝑒</m:t>
                         </m:r>
-                      </m:sup>
-                      <m:e>
+                      </m:e>
+                      <m:sup>
+                        <m:r>
+                          <a:rPr lang="en-US" i="1">
+                            <a:latin typeface="Cambria Math" panose="02040503050406030204" pitchFamily="18" charset="0"/>
+                          </a:rPr>
+                          <m:t>𝑗</m:t>
+                        </m:r>
                         <m:f>
                           <m:fPr>
                             <m:ctrlPr>
@@ -10934,10 +10941,16 @@
                           </m:fPr>
                           <m:num>
                             <m:r>
+                              <a:rPr lang="en-US" b="0" i="1" smtClean="0">
+                                <a:latin typeface="Cambria Math" panose="02040503050406030204" pitchFamily="18" charset="0"/>
+                              </a:rPr>
+                              <m:t>𝜔</m:t>
+                            </m:r>
+                            <m:r>
                               <a:rPr lang="en-US" i="1">
                                 <a:latin typeface="Cambria Math" panose="02040503050406030204" pitchFamily="18" charset="0"/>
                               </a:rPr>
-                              <m:t>1</m:t>
+                              <m:t>𝑟</m:t>
                             </m:r>
                           </m:num>
                           <m:den>
@@ -10949,76 +10962,8 @@
                             </m:r>
                           </m:den>
                         </m:f>
-                        <m:sSup>
-                          <m:sSupPr>
-                            <m:ctrlPr>
-                              <a:rPr lang="en-US" i="1">
-                                <a:latin typeface="Cambria Math" panose="02040503050406030204" pitchFamily="18" charset="0"/>
-                              </a:rPr>
-                            </m:ctrlPr>
-                          </m:sSupPr>
-                          <m:e>
-                            <m:r>
-                              <a:rPr lang="en-US" i="1">
-                                <a:latin typeface="Cambria Math" panose="02040503050406030204" pitchFamily="18" charset="0"/>
-                              </a:rPr>
-                              <m:t>𝑒</m:t>
-                            </m:r>
-                          </m:e>
-                          <m:sup>
-                            <m:r>
-                              <a:rPr lang="en-US" i="1">
-                                <a:latin typeface="Cambria Math" panose="02040503050406030204" pitchFamily="18" charset="0"/>
-                              </a:rPr>
-                              <m:t>𝑗</m:t>
-                            </m:r>
-                            <m:f>
-                              <m:fPr>
-                                <m:ctrlPr>
-                                  <a:rPr lang="en-US" i="1">
-                                    <a:latin typeface="Cambria Math" panose="02040503050406030204" pitchFamily="18" charset="0"/>
-                                  </a:rPr>
-                                </m:ctrlPr>
-                              </m:fPr>
-                              <m:num>
-                                <m:r>
-                                  <a:rPr lang="en-US" i="1">
-                                    <a:latin typeface="Cambria Math" panose="02040503050406030204" pitchFamily="18" charset="0"/>
-                                  </a:rPr>
-                                  <m:t>2</m:t>
-                                </m:r>
-                                <m:r>
-                                  <a:rPr lang="en-US" i="1">
-                                    <a:latin typeface="Cambria Math" panose="02040503050406030204" pitchFamily="18" charset="0"/>
-                                  </a:rPr>
-                                  <m:t>𝜋</m:t>
-                                </m:r>
-                                <m:r>
-                                  <a:rPr lang="en-US" b="0" i="1" smtClean="0">
-                                    <a:latin typeface="Cambria Math" panose="02040503050406030204" pitchFamily="18" charset="0"/>
-                                  </a:rPr>
-                                  <m:t>𝑘</m:t>
-                                </m:r>
-                                <m:r>
-                                  <a:rPr lang="en-US" i="1">
-                                    <a:latin typeface="Cambria Math" panose="02040503050406030204" pitchFamily="18" charset="0"/>
-                                  </a:rPr>
-                                  <m:t>𝑟</m:t>
-                                </m:r>
-                              </m:num>
-                              <m:den>
-                                <m:r>
-                                  <a:rPr lang="en-US" i="1">
-                                    <a:latin typeface="Cambria Math" panose="02040503050406030204" pitchFamily="18" charset="0"/>
-                                  </a:rPr>
-                                  <m:t>𝑀</m:t>
-                                </m:r>
-                              </m:den>
-                            </m:f>
-                          </m:sup>
-                        </m:sSup>
-                      </m:e>
-                    </m:nary>
+                      </m:sup>
+                    </m:sSup>
                   </m:oMath>
                 </a14:m>
                 <a:endParaRPr lang="en-US" b="0" dirty="0" smtClean="0"/>
@@ -12954,11 +12899,7 @@
             <a:pPr algn="ctr"/>
             <a:r>
               <a:rPr lang="en-US" dirty="0" smtClean="0"/>
-              <a:t>Dr. </a:t>
-            </a:r>
-            <a:r>
-              <a:rPr lang="en-US" dirty="0" smtClean="0"/>
-              <a:t>Md. </a:t>
+              <a:t>Dr. Md. </a:t>
             </a:r>
             <a:r>
               <a:rPr lang="en-US" dirty="0" err="1" smtClean="0"/>
@@ -12966,11 +12907,7 @@
             </a:r>
             <a:r>
               <a:rPr lang="en-US" dirty="0" smtClean="0"/>
-              <a:t> </a:t>
-            </a:r>
-            <a:r>
-              <a:rPr lang="en-US" dirty="0" smtClean="0"/>
-              <a:t>Hasan </a:t>
+              <a:t> Hasan </a:t>
             </a:r>
           </a:p>
           <a:p>
